--- a/WEEK5/第五周[事件基础、事件对象、事件委托、DOM2事件兼容处理].pptx
+++ b/WEEK5/第五周[事件基础、事件对象、事件委托、DOM2事件兼容处理].pptx
@@ -13,6 +13,9 @@
     <p:sldId id="282" r:id="rId6"/>
     <p:sldId id="269" r:id="rId7"/>
     <p:sldId id="283" r:id="rId8"/>
+    <p:sldId id="285" r:id="rId9"/>
+    <p:sldId id="286" r:id="rId10"/>
+    <p:sldId id="287" r:id="rId11"/>
   </p:sldIdLst>
   <p:sldSz cx="12192000" cy="6858000"/>
   <p:notesSz cx="7103745" cy="10234295"/>
@@ -594,6 +597,138 @@
 </file>
 
 <file path=ppt/notesSlides/notesSlide4.xml><?xml version="1.0" encoding="utf-8"?>
+<p:notes xmlns:a="http://schemas.openxmlformats.org/drawingml/2006/main" xmlns:r="http://schemas.openxmlformats.org/officeDocument/2006/relationships" xmlns:p="http://schemas.openxmlformats.org/presentationml/2006/main">
+  <p:cSld>
+    <p:spTree>
+      <p:nvGrpSpPr>
+        <p:cNvPr id="1" name=""/>
+        <p:cNvGrpSpPr/>
+        <p:nvPr/>
+      </p:nvGrpSpPr>
+      <p:grpSpPr/>
+      <p:sp>
+        <p:nvSpPr>
+          <p:cNvPr id="2" name="幻灯片图像占位符 1"/>
+          <p:cNvSpPr/>
+          <p:nvPr>
+            <p:ph type="sldImg" idx="2"/>
+          </p:nvPr>
+        </p:nvSpPr>
+        <p:spPr/>
+      </p:sp>
+      <p:sp>
+        <p:nvSpPr>
+          <p:cNvPr id="3" name="文本占位符 2"/>
+          <p:cNvSpPr/>
+          <p:nvPr>
+            <p:ph type="body" idx="3"/>
+          </p:nvPr>
+        </p:nvSpPr>
+        <p:spPr/>
+        <p:txBody>
+          <a:bodyPr/>
+          <a:p>
+            <a:endParaRPr lang="zh-CN" altLang="en-US"/>
+          </a:p>
+        </p:txBody>
+      </p:sp>
+    </p:spTree>
+  </p:cSld>
+  <p:clrMapOvr>
+    <a:masterClrMapping/>
+  </p:clrMapOvr>
+</p:notes>
+</file>
+
+<file path=ppt/notesSlides/notesSlide5.xml><?xml version="1.0" encoding="utf-8"?>
+<p:notes xmlns:a="http://schemas.openxmlformats.org/drawingml/2006/main" xmlns:r="http://schemas.openxmlformats.org/officeDocument/2006/relationships" xmlns:p="http://schemas.openxmlformats.org/presentationml/2006/main">
+  <p:cSld>
+    <p:spTree>
+      <p:nvGrpSpPr>
+        <p:cNvPr id="1" name=""/>
+        <p:cNvGrpSpPr/>
+        <p:nvPr/>
+      </p:nvGrpSpPr>
+      <p:grpSpPr/>
+      <p:sp>
+        <p:nvSpPr>
+          <p:cNvPr id="2" name="幻灯片图像占位符 1"/>
+          <p:cNvSpPr/>
+          <p:nvPr>
+            <p:ph type="sldImg" idx="2"/>
+          </p:nvPr>
+        </p:nvSpPr>
+        <p:spPr/>
+      </p:sp>
+      <p:sp>
+        <p:nvSpPr>
+          <p:cNvPr id="3" name="文本占位符 2"/>
+          <p:cNvSpPr/>
+          <p:nvPr>
+            <p:ph type="body" idx="3"/>
+          </p:nvPr>
+        </p:nvSpPr>
+        <p:spPr/>
+        <p:txBody>
+          <a:bodyPr/>
+          <a:p>
+            <a:endParaRPr lang="zh-CN" altLang="en-US"/>
+          </a:p>
+        </p:txBody>
+      </p:sp>
+    </p:spTree>
+  </p:cSld>
+  <p:clrMapOvr>
+    <a:masterClrMapping/>
+  </p:clrMapOvr>
+</p:notes>
+</file>
+
+<file path=ppt/notesSlides/notesSlide6.xml><?xml version="1.0" encoding="utf-8"?>
+<p:notes xmlns:a="http://schemas.openxmlformats.org/drawingml/2006/main" xmlns:r="http://schemas.openxmlformats.org/officeDocument/2006/relationships" xmlns:p="http://schemas.openxmlformats.org/presentationml/2006/main">
+  <p:cSld>
+    <p:spTree>
+      <p:nvGrpSpPr>
+        <p:cNvPr id="1" name=""/>
+        <p:cNvGrpSpPr/>
+        <p:nvPr/>
+      </p:nvGrpSpPr>
+      <p:grpSpPr/>
+      <p:sp>
+        <p:nvSpPr>
+          <p:cNvPr id="2" name="幻灯片图像占位符 1"/>
+          <p:cNvSpPr/>
+          <p:nvPr>
+            <p:ph type="sldImg" idx="2"/>
+          </p:nvPr>
+        </p:nvSpPr>
+        <p:spPr/>
+      </p:sp>
+      <p:sp>
+        <p:nvSpPr>
+          <p:cNvPr id="3" name="文本占位符 2"/>
+          <p:cNvSpPr/>
+          <p:nvPr>
+            <p:ph type="body" idx="3"/>
+          </p:nvPr>
+        </p:nvSpPr>
+        <p:spPr/>
+        <p:txBody>
+          <a:bodyPr/>
+          <a:p>
+            <a:endParaRPr lang="zh-CN" altLang="en-US"/>
+          </a:p>
+        </p:txBody>
+      </p:sp>
+    </p:spTree>
+  </p:cSld>
+  <p:clrMapOvr>
+    <a:masterClrMapping/>
+  </p:clrMapOvr>
+</p:notes>
+</file>
+
+<file path=ppt/notesSlides/notesSlide7.xml><?xml version="1.0" encoding="utf-8"?>
 <p:notes xmlns:a="http://schemas.openxmlformats.org/drawingml/2006/main" xmlns:r="http://schemas.openxmlformats.org/officeDocument/2006/relationships" xmlns:p="http://schemas.openxmlformats.org/presentationml/2006/main">
   <p:cSld>
     <p:spTree>
@@ -4892,6 +5027,1319 @@
             <a:endParaRPr lang="zh-CN" altLang="en-US">
               <a:latin typeface="Adobe 仿宋 Std R" panose="02020400000000000000" charset="-122"/>
               <a:ea typeface="Adobe 仿宋 Std R" panose="02020400000000000000" charset="-122"/>
+            </a:endParaRPr>
+          </a:p>
+        </p:txBody>
+      </p:sp>
+      <p:sp>
+        <p:nvSpPr>
+          <p:cNvPr id="4" name="文本框 3"/>
+          <p:cNvSpPr txBox="1"/>
+          <p:nvPr/>
+        </p:nvSpPr>
+        <p:spPr>
+          <a:xfrm>
+            <a:off x="3718560" y="1151890"/>
+            <a:ext cx="4754880" cy="1198880"/>
+          </a:xfrm>
+          <a:prstGeom prst="rect">
+            <a:avLst/>
+          </a:prstGeom>
+          <a:noFill/>
+        </p:spPr>
+        <p:txBody>
+          <a:bodyPr wrap="none" rtlCol="0">
+            <a:spAutoFit/>
+          </a:bodyPr>
+          <a:p>
+            <a:pPr algn="l"/>
+            <a:r>
+              <a:rPr lang="en-US" altLang="zh-CN" sz="3600">
+                <a:latin typeface="仿宋" panose="02010609060101010101" charset="-122"/>
+                <a:ea typeface="仿宋" panose="02010609060101010101" charset="-122"/>
+                <a:sym typeface="+mn-ea"/>
+              </a:rPr>
+              <a:t>[</a:t>
+            </a:r>
+            <a:r>
+              <a:rPr lang="zh-CN" altLang="en-US" sz="3600">
+                <a:latin typeface="仿宋" panose="02010609060101010101" charset="-122"/>
+                <a:ea typeface="仿宋" panose="02010609060101010101" charset="-122"/>
+                <a:sym typeface="+mn-ea"/>
+              </a:rPr>
+              <a:t>八年专注、有口皆碑</a:t>
+            </a:r>
+            <a:r>
+              <a:rPr lang="en-US" altLang="zh-CN" sz="3600">
+                <a:latin typeface="仿宋" panose="02010609060101010101" charset="-122"/>
+                <a:ea typeface="仿宋" panose="02010609060101010101" charset="-122"/>
+                <a:sym typeface="+mn-ea"/>
+              </a:rPr>
+              <a:t>]</a:t>
+            </a:r>
+            <a:endParaRPr lang="en-US" altLang="zh-CN" sz="3600">
+              <a:latin typeface="仿宋" panose="02010609060101010101" charset="-122"/>
+              <a:ea typeface="仿宋" panose="02010609060101010101" charset="-122"/>
+            </a:endParaRPr>
+          </a:p>
+          <a:p>
+            <a:endParaRPr lang="zh-CN" altLang="en-US" sz="3600"/>
+          </a:p>
+        </p:txBody>
+      </p:sp>
+      <p:pic>
+        <p:nvPicPr>
+          <p:cNvPr id="5" name="图片 4"/>
+          <p:cNvPicPr>
+            <a:picLocks noChangeAspect="1"/>
+          </p:cNvPicPr>
+          <p:nvPr/>
+        </p:nvPicPr>
+        <p:blipFill>
+          <a:blip r:embed="rId1"/>
+          <a:stretch>
+            <a:fillRect/>
+          </a:stretch>
+        </p:blipFill>
+        <p:spPr>
+          <a:xfrm>
+            <a:off x="8578215" y="2350770"/>
+            <a:ext cx="3389630" cy="2198370"/>
+          </a:xfrm>
+          <a:prstGeom prst="rect">
+            <a:avLst/>
+          </a:prstGeom>
+        </p:spPr>
+      </p:pic>
+    </p:spTree>
+  </p:cSld>
+  <p:clrMapOvr>
+    <a:masterClrMapping/>
+  </p:clrMapOvr>
+</p:sld>
+</file>
+
+<file path=ppt/slides/slide6.xml><?xml version="1.0" encoding="utf-8"?>
+<p:sld xmlns:a="http://schemas.openxmlformats.org/drawingml/2006/main" xmlns:r="http://schemas.openxmlformats.org/officeDocument/2006/relationships" xmlns:p="http://schemas.openxmlformats.org/presentationml/2006/main">
+  <p:cSld>
+    <p:spTree>
+      <p:nvGrpSpPr>
+        <p:cNvPr id="1" name=""/>
+        <p:cNvGrpSpPr/>
+        <p:nvPr/>
+      </p:nvGrpSpPr>
+      <p:grpSpPr/>
+      <p:sp>
+        <p:nvSpPr>
+          <p:cNvPr id="2" name="标题 1"/>
+          <p:cNvSpPr>
+            <a:spLocks noGrp="1"/>
+          </p:cNvSpPr>
+          <p:nvPr>
+            <p:ph type="title"/>
+          </p:nvPr>
+        </p:nvSpPr>
+        <p:spPr>
+          <a:xfrm>
+            <a:off x="838200" y="281305"/>
+            <a:ext cx="10515600" cy="1080770"/>
+          </a:xfrm>
+        </p:spPr>
+        <p:txBody>
+          <a:bodyPr/>
+          <a:p>
+            <a:pPr algn="ctr"/>
+            <a:r>
+              <a:rPr lang="zh-CN" sz="4800">
+                <a:latin typeface="仿宋" panose="02010609060101010101" charset="-122"/>
+                <a:ea typeface="仿宋" panose="02010609060101010101" charset="-122"/>
+                <a:sym typeface="+mn-ea"/>
+              </a:rPr>
+              <a:t>前端全栈工程化开发</a:t>
+            </a:r>
+            <a:r>
+              <a:rPr lang="en-US" altLang="zh-CN" sz="4800">
+                <a:latin typeface="仿宋" panose="02010609060101010101" charset="-122"/>
+                <a:ea typeface="仿宋" panose="02010609060101010101" charset="-122"/>
+                <a:sym typeface="+mn-ea"/>
+              </a:rPr>
+              <a:t>VIP</a:t>
+            </a:r>
+            <a:r>
+              <a:rPr lang="zh-CN" altLang="en-US" sz="4800">
+                <a:latin typeface="仿宋" panose="02010609060101010101" charset="-122"/>
+                <a:ea typeface="仿宋" panose="02010609060101010101" charset="-122"/>
+                <a:sym typeface="+mn-ea"/>
+              </a:rPr>
+              <a:t>精品课</a:t>
+            </a:r>
+            <a:br>
+              <a:rPr lang="zh-CN" sz="4000">
+                <a:latin typeface="楷体" panose="02010609060101010101" charset="-122"/>
+                <a:ea typeface="楷体" panose="02010609060101010101" charset="-122"/>
+                <a:sym typeface="+mn-ea"/>
+              </a:rPr>
+            </a:br>
+            <a:br>
+              <a:rPr lang="zh-CN" sz="4000">
+                <a:latin typeface="楷体" panose="02010609060101010101" charset="-122"/>
+                <a:ea typeface="楷体" panose="02010609060101010101" charset="-122"/>
+                <a:sym typeface="+mn-ea"/>
+              </a:rPr>
+            </a:br>
+            <a:endParaRPr lang="en-US" altLang="zh-CN" sz="4000">
+              <a:latin typeface="楷体" panose="02010609060101010101" charset="-122"/>
+              <a:ea typeface="楷体" panose="02010609060101010101" charset="-122"/>
+            </a:endParaRPr>
+          </a:p>
+        </p:txBody>
+      </p:sp>
+      <p:sp>
+        <p:nvSpPr>
+          <p:cNvPr id="3" name="内容占位符 2"/>
+          <p:cNvSpPr>
+            <a:spLocks noGrp="1"/>
+          </p:cNvSpPr>
+          <p:nvPr>
+            <p:ph idx="1"/>
+          </p:nvPr>
+        </p:nvSpPr>
+        <p:spPr>
+          <a:xfrm>
+            <a:off x="443230" y="2065020"/>
+            <a:ext cx="8535670" cy="4604385"/>
+          </a:xfrm>
+        </p:spPr>
+        <p:txBody>
+          <a:bodyPr/>
+          <a:p>
+            <a:r>
+              <a:rPr lang="en-US" altLang="zh-CN" sz="3200">
+                <a:latin typeface="仿宋" panose="02010609060101010101" charset="-122"/>
+                <a:ea typeface="仿宋" panose="02010609060101010101" charset="-122"/>
+              </a:rPr>
+              <a:t>JS</a:t>
+            </a:r>
+            <a:r>
+              <a:rPr lang="zh-CN" altLang="en-US" sz="3200">
+                <a:latin typeface="仿宋" panose="02010609060101010101" charset="-122"/>
+                <a:ea typeface="仿宋" panose="02010609060101010101" charset="-122"/>
+              </a:rPr>
+              <a:t>中的</a:t>
+            </a:r>
+            <a:r>
+              <a:rPr lang="en-US" altLang="zh-CN" sz="3200">
+                <a:latin typeface="仿宋" panose="02010609060101010101" charset="-122"/>
+                <a:ea typeface="仿宋" panose="02010609060101010101" charset="-122"/>
+              </a:rPr>
+              <a:t>DOM0</a:t>
+            </a:r>
+            <a:r>
+              <a:rPr lang="zh-CN" altLang="en-US" sz="3200">
+                <a:latin typeface="仿宋" panose="02010609060101010101" charset="-122"/>
+                <a:ea typeface="仿宋" panose="02010609060101010101" charset="-122"/>
+              </a:rPr>
+              <a:t>和</a:t>
+            </a:r>
+            <a:r>
+              <a:rPr lang="en-US" altLang="zh-CN" sz="3200">
+                <a:latin typeface="仿宋" panose="02010609060101010101" charset="-122"/>
+                <a:ea typeface="仿宋" panose="02010609060101010101" charset="-122"/>
+              </a:rPr>
+              <a:t>DOM2</a:t>
+            </a:r>
+            <a:r>
+              <a:rPr lang="zh-CN" altLang="en-US" sz="3200">
+                <a:latin typeface="仿宋" panose="02010609060101010101" charset="-122"/>
+                <a:ea typeface="仿宋" panose="02010609060101010101" charset="-122"/>
+              </a:rPr>
+              <a:t>事件</a:t>
+            </a:r>
+            <a:endParaRPr lang="zh-CN" altLang="en-US" sz="3200">
+              <a:latin typeface="仿宋" panose="02010609060101010101" charset="-122"/>
+              <a:ea typeface="仿宋" panose="02010609060101010101" charset="-122"/>
+            </a:endParaRPr>
+          </a:p>
+          <a:p>
+            <a:pPr marL="0" indent="0" fontAlgn="auto">
+              <a:lnSpc>
+                <a:spcPct val="130000"/>
+              </a:lnSpc>
+              <a:buNone/>
+            </a:pPr>
+            <a:r>
+              <a:rPr lang="zh-CN" altLang="en-US">
+                <a:latin typeface="仿宋" panose="02010609060101010101" charset="-122"/>
+                <a:ea typeface="仿宋" panose="02010609060101010101" charset="-122"/>
+              </a:rPr>
+              <a:t>  </a:t>
+            </a:r>
+            <a:r>
+              <a:rPr lang="en-US" altLang="zh-CN">
+                <a:latin typeface="仿宋" panose="02010609060101010101" charset="-122"/>
+                <a:ea typeface="仿宋" panose="02010609060101010101" charset="-122"/>
+              </a:rPr>
+              <a:t>- </a:t>
+            </a:r>
+            <a:r>
+              <a:rPr lang="zh-CN" altLang="en-US">
+                <a:latin typeface="仿宋" panose="02010609060101010101" charset="-122"/>
+                <a:ea typeface="仿宋" panose="02010609060101010101" charset="-122"/>
+              </a:rPr>
+              <a:t>阻止事件的冒泡传播</a:t>
+            </a:r>
+            <a:endParaRPr lang="zh-CN" altLang="en-US">
+              <a:latin typeface="仿宋" panose="02010609060101010101" charset="-122"/>
+              <a:ea typeface="仿宋" panose="02010609060101010101" charset="-122"/>
+            </a:endParaRPr>
+          </a:p>
+          <a:p>
+            <a:pPr marL="0" indent="0" fontAlgn="auto">
+              <a:lnSpc>
+                <a:spcPct val="130000"/>
+              </a:lnSpc>
+              <a:buNone/>
+            </a:pPr>
+            <a:r>
+              <a:rPr lang="en-US" altLang="zh-CN">
+                <a:latin typeface="仿宋" panose="02010609060101010101" charset="-122"/>
+                <a:ea typeface="仿宋" panose="02010609060101010101" charset="-122"/>
+              </a:rPr>
+              <a:t>    + </a:t>
+            </a:r>
+            <a:r>
+              <a:rPr lang="zh-CN" altLang="en-US">
+                <a:latin typeface="仿宋" panose="02010609060101010101" charset="-122"/>
+                <a:ea typeface="仿宋" panose="02010609060101010101" charset="-122"/>
+              </a:rPr>
+              <a:t>事件传播机制：捕获、冒泡</a:t>
+            </a:r>
+            <a:endParaRPr lang="zh-CN" altLang="en-US">
+              <a:latin typeface="仿宋" panose="02010609060101010101" charset="-122"/>
+              <a:ea typeface="仿宋" panose="02010609060101010101" charset="-122"/>
+            </a:endParaRPr>
+          </a:p>
+          <a:p>
+            <a:pPr marL="0" indent="0" fontAlgn="auto">
+              <a:lnSpc>
+                <a:spcPct val="130000"/>
+              </a:lnSpc>
+              <a:buNone/>
+            </a:pPr>
+            <a:r>
+              <a:rPr lang="zh-CN" altLang="en-US">
+                <a:latin typeface="仿宋" panose="02010609060101010101" charset="-122"/>
+                <a:ea typeface="仿宋" panose="02010609060101010101" charset="-122"/>
+              </a:rPr>
+              <a:t>    </a:t>
+            </a:r>
+            <a:r>
+              <a:rPr lang="en-US" altLang="zh-CN">
+                <a:latin typeface="仿宋" panose="02010609060101010101" charset="-122"/>
+                <a:ea typeface="仿宋" panose="02010609060101010101" charset="-122"/>
+              </a:rPr>
+              <a:t>+ </a:t>
+            </a:r>
+            <a:r>
+              <a:rPr lang="zh-CN" altLang="en-US">
+                <a:latin typeface="仿宋" panose="02010609060101010101" charset="-122"/>
+                <a:ea typeface="仿宋" panose="02010609060101010101" charset="-122"/>
+              </a:rPr>
+              <a:t>京东放大镜案例：</a:t>
+            </a:r>
+            <a:r>
+              <a:rPr lang="en-US" altLang="zh-CN">
+                <a:latin typeface="仿宋" panose="02010609060101010101" charset="-122"/>
+                <a:ea typeface="仿宋" panose="02010609060101010101" charset="-122"/>
+              </a:rPr>
+              <a:t>mouseover</a:t>
+            </a:r>
+            <a:r>
+              <a:rPr lang="zh-CN" altLang="en-US">
+                <a:latin typeface="仿宋" panose="02010609060101010101" charset="-122"/>
+                <a:ea typeface="仿宋" panose="02010609060101010101" charset="-122"/>
+              </a:rPr>
+              <a:t>和</a:t>
+            </a:r>
+            <a:r>
+              <a:rPr lang="en-US" altLang="zh-CN">
+                <a:latin typeface="仿宋" panose="02010609060101010101" charset="-122"/>
+                <a:ea typeface="仿宋" panose="02010609060101010101" charset="-122"/>
+              </a:rPr>
+              <a:t>mouseenter</a:t>
+            </a:r>
+            <a:endParaRPr lang="en-US" altLang="zh-CN">
+              <a:latin typeface="仿宋" panose="02010609060101010101" charset="-122"/>
+              <a:ea typeface="仿宋" panose="02010609060101010101" charset="-122"/>
+            </a:endParaRPr>
+          </a:p>
+          <a:p>
+            <a:pPr marL="0" indent="0" fontAlgn="auto">
+              <a:lnSpc>
+                <a:spcPct val="130000"/>
+              </a:lnSpc>
+              <a:buNone/>
+            </a:pPr>
+            <a:r>
+              <a:rPr lang="zh-CN" altLang="en-US">
+                <a:latin typeface="仿宋" panose="02010609060101010101" charset="-122"/>
+                <a:ea typeface="仿宋" panose="02010609060101010101" charset="-122"/>
+              </a:rPr>
+              <a:t>    </a:t>
+            </a:r>
+            <a:r>
+              <a:rPr lang="en-US" altLang="zh-CN">
+                <a:latin typeface="仿宋" panose="02010609060101010101" charset="-122"/>
+                <a:ea typeface="仿宋" panose="02010609060101010101" charset="-122"/>
+              </a:rPr>
+              <a:t>+ </a:t>
+            </a:r>
+            <a:r>
+              <a:rPr lang="zh-CN" altLang="en-US">
+                <a:latin typeface="仿宋" panose="02010609060101010101" charset="-122"/>
+                <a:ea typeface="仿宋" panose="02010609060101010101" charset="-122"/>
+              </a:rPr>
+              <a:t>事件委托</a:t>
+            </a:r>
+            <a:endParaRPr lang="zh-CN" altLang="en-US">
+              <a:latin typeface="仿宋" panose="02010609060101010101" charset="-122"/>
+              <a:ea typeface="仿宋" panose="02010609060101010101" charset="-122"/>
+            </a:endParaRPr>
+          </a:p>
+          <a:p>
+            <a:pPr marL="0" indent="0" fontAlgn="auto">
+              <a:lnSpc>
+                <a:spcPct val="130000"/>
+              </a:lnSpc>
+              <a:buNone/>
+            </a:pPr>
+            <a:r>
+              <a:rPr lang="zh-CN" altLang="en-US">
+                <a:latin typeface="仿宋" panose="02010609060101010101" charset="-122"/>
+                <a:ea typeface="仿宋" panose="02010609060101010101" charset="-122"/>
+              </a:rPr>
+              <a:t>    </a:t>
+            </a:r>
+            <a:r>
+              <a:rPr lang="en-US" altLang="zh-CN">
+                <a:latin typeface="仿宋" panose="02010609060101010101" charset="-122"/>
+                <a:ea typeface="仿宋" panose="02010609060101010101" charset="-122"/>
+              </a:rPr>
+              <a:t>+ </a:t>
+            </a:r>
+            <a:r>
+              <a:rPr lang="zh-CN" altLang="en-US">
+                <a:latin typeface="仿宋" panose="02010609060101010101" charset="-122"/>
+                <a:ea typeface="仿宋" panose="02010609060101010101" charset="-122"/>
+              </a:rPr>
+              <a:t>小米商城左侧菜单栏案例</a:t>
+            </a:r>
+            <a:endParaRPr lang="zh-CN" altLang="en-US">
+              <a:latin typeface="仿宋" panose="02010609060101010101" charset="-122"/>
+              <a:ea typeface="仿宋" panose="02010609060101010101" charset="-122"/>
+            </a:endParaRPr>
+          </a:p>
+          <a:p>
+            <a:pPr marL="0" indent="0" fontAlgn="auto">
+              <a:lnSpc>
+                <a:spcPct val="130000"/>
+              </a:lnSpc>
+              <a:buNone/>
+            </a:pPr>
+            <a:r>
+              <a:rPr lang="zh-CN" altLang="en-US">
+                <a:latin typeface="仿宋" panose="02010609060101010101" charset="-122"/>
+                <a:ea typeface="仿宋" panose="02010609060101010101" charset="-122"/>
+              </a:rPr>
+              <a:t>    </a:t>
+            </a:r>
+            <a:r>
+              <a:rPr lang="en-US" altLang="zh-CN">
+                <a:latin typeface="仿宋" panose="02010609060101010101" charset="-122"/>
+                <a:ea typeface="仿宋" panose="02010609060101010101" charset="-122"/>
+              </a:rPr>
+              <a:t>+ </a:t>
+            </a:r>
+            <a:r>
+              <a:rPr lang="zh-CN" altLang="en-US">
+                <a:latin typeface="仿宋" panose="02010609060101010101" charset="-122"/>
+                <a:ea typeface="仿宋" panose="02010609060101010101" charset="-122"/>
+              </a:rPr>
+              <a:t>多级结构菜单</a:t>
+            </a:r>
+            <a:endParaRPr lang="zh-CN" altLang="en-US">
+              <a:latin typeface="仿宋" panose="02010609060101010101" charset="-122"/>
+              <a:ea typeface="仿宋" panose="02010609060101010101" charset="-122"/>
+            </a:endParaRPr>
+          </a:p>
+          <a:p>
+            <a:pPr marL="0" indent="0" fontAlgn="auto">
+              <a:lnSpc>
+                <a:spcPct val="130000"/>
+              </a:lnSpc>
+              <a:buNone/>
+            </a:pPr>
+            <a:r>
+              <a:rPr lang="zh-CN" altLang="en-US">
+                <a:latin typeface="仿宋" panose="02010609060101010101" charset="-122"/>
+                <a:ea typeface="仿宋" panose="02010609060101010101" charset="-122"/>
+              </a:rPr>
+              <a:t>  </a:t>
+            </a:r>
+            <a:endParaRPr lang="zh-CN" altLang="en-US">
+              <a:latin typeface="Adobe 仿宋 Std R" panose="02020400000000000000" charset="-122"/>
+              <a:ea typeface="Adobe 仿宋 Std R" panose="02020400000000000000" charset="-122"/>
+            </a:endParaRPr>
+          </a:p>
+        </p:txBody>
+      </p:sp>
+      <p:sp>
+        <p:nvSpPr>
+          <p:cNvPr id="4" name="文本框 3"/>
+          <p:cNvSpPr txBox="1"/>
+          <p:nvPr/>
+        </p:nvSpPr>
+        <p:spPr>
+          <a:xfrm>
+            <a:off x="3718560" y="1151890"/>
+            <a:ext cx="4754880" cy="1198880"/>
+          </a:xfrm>
+          <a:prstGeom prst="rect">
+            <a:avLst/>
+          </a:prstGeom>
+          <a:noFill/>
+        </p:spPr>
+        <p:txBody>
+          <a:bodyPr wrap="none" rtlCol="0">
+            <a:spAutoFit/>
+          </a:bodyPr>
+          <a:p>
+            <a:pPr algn="l"/>
+            <a:r>
+              <a:rPr lang="en-US" altLang="zh-CN" sz="3600">
+                <a:latin typeface="仿宋" panose="02010609060101010101" charset="-122"/>
+                <a:ea typeface="仿宋" panose="02010609060101010101" charset="-122"/>
+                <a:sym typeface="+mn-ea"/>
+              </a:rPr>
+              <a:t>[</a:t>
+            </a:r>
+            <a:r>
+              <a:rPr lang="zh-CN" altLang="en-US" sz="3600">
+                <a:latin typeface="仿宋" panose="02010609060101010101" charset="-122"/>
+                <a:ea typeface="仿宋" panose="02010609060101010101" charset="-122"/>
+                <a:sym typeface="+mn-ea"/>
+              </a:rPr>
+              <a:t>八年专注、有口皆碑</a:t>
+            </a:r>
+            <a:r>
+              <a:rPr lang="en-US" altLang="zh-CN" sz="3600">
+                <a:latin typeface="仿宋" panose="02010609060101010101" charset="-122"/>
+                <a:ea typeface="仿宋" panose="02010609060101010101" charset="-122"/>
+                <a:sym typeface="+mn-ea"/>
+              </a:rPr>
+              <a:t>]</a:t>
+            </a:r>
+            <a:endParaRPr lang="en-US" altLang="zh-CN" sz="3600">
+              <a:latin typeface="仿宋" panose="02010609060101010101" charset="-122"/>
+              <a:ea typeface="仿宋" panose="02010609060101010101" charset="-122"/>
+            </a:endParaRPr>
+          </a:p>
+          <a:p>
+            <a:endParaRPr lang="zh-CN" altLang="en-US" sz="3600"/>
+          </a:p>
+        </p:txBody>
+      </p:sp>
+      <p:pic>
+        <p:nvPicPr>
+          <p:cNvPr id="5" name="图片 4"/>
+          <p:cNvPicPr>
+            <a:picLocks noChangeAspect="1"/>
+          </p:cNvPicPr>
+          <p:nvPr/>
+        </p:nvPicPr>
+        <p:blipFill>
+          <a:blip r:embed="rId1"/>
+          <a:stretch>
+            <a:fillRect/>
+          </a:stretch>
+        </p:blipFill>
+        <p:spPr>
+          <a:xfrm>
+            <a:off x="8578215" y="2350770"/>
+            <a:ext cx="3389630" cy="2198370"/>
+          </a:xfrm>
+          <a:prstGeom prst="rect">
+            <a:avLst/>
+          </a:prstGeom>
+        </p:spPr>
+      </p:pic>
+    </p:spTree>
+  </p:cSld>
+  <p:clrMapOvr>
+    <a:masterClrMapping/>
+  </p:clrMapOvr>
+</p:sld>
+</file>
+
+<file path=ppt/slides/slide7.xml><?xml version="1.0" encoding="utf-8"?>
+<p:sld xmlns:a="http://schemas.openxmlformats.org/drawingml/2006/main" xmlns:r="http://schemas.openxmlformats.org/officeDocument/2006/relationships" xmlns:p="http://schemas.openxmlformats.org/presentationml/2006/main">
+  <p:cSld>
+    <p:spTree>
+      <p:nvGrpSpPr>
+        <p:cNvPr id="1" name=""/>
+        <p:cNvGrpSpPr/>
+        <p:nvPr/>
+      </p:nvGrpSpPr>
+      <p:grpSpPr/>
+      <p:sp>
+        <p:nvSpPr>
+          <p:cNvPr id="2" name="标题 1"/>
+          <p:cNvSpPr>
+            <a:spLocks noGrp="1"/>
+          </p:cNvSpPr>
+          <p:nvPr>
+            <p:ph type="title"/>
+          </p:nvPr>
+        </p:nvSpPr>
+        <p:spPr>
+          <a:xfrm>
+            <a:off x="838200" y="281305"/>
+            <a:ext cx="10515600" cy="1080770"/>
+          </a:xfrm>
+        </p:spPr>
+        <p:txBody>
+          <a:bodyPr/>
+          <a:p>
+            <a:pPr algn="ctr"/>
+            <a:r>
+              <a:rPr lang="zh-CN" sz="4800">
+                <a:latin typeface="仿宋" panose="02010609060101010101" charset="-122"/>
+                <a:ea typeface="仿宋" panose="02010609060101010101" charset="-122"/>
+                <a:sym typeface="+mn-ea"/>
+              </a:rPr>
+              <a:t>前端全栈工程化开发</a:t>
+            </a:r>
+            <a:r>
+              <a:rPr lang="en-US" altLang="zh-CN" sz="4800">
+                <a:latin typeface="仿宋" panose="02010609060101010101" charset="-122"/>
+                <a:ea typeface="仿宋" panose="02010609060101010101" charset="-122"/>
+                <a:sym typeface="+mn-ea"/>
+              </a:rPr>
+              <a:t>VIP</a:t>
+            </a:r>
+            <a:r>
+              <a:rPr lang="zh-CN" altLang="en-US" sz="4800">
+                <a:latin typeface="仿宋" panose="02010609060101010101" charset="-122"/>
+                <a:ea typeface="仿宋" panose="02010609060101010101" charset="-122"/>
+                <a:sym typeface="+mn-ea"/>
+              </a:rPr>
+              <a:t>精品课</a:t>
+            </a:r>
+            <a:br>
+              <a:rPr lang="zh-CN" sz="4000">
+                <a:latin typeface="楷体" panose="02010609060101010101" charset="-122"/>
+                <a:ea typeface="楷体" panose="02010609060101010101" charset="-122"/>
+                <a:sym typeface="+mn-ea"/>
+              </a:rPr>
+            </a:br>
+            <a:br>
+              <a:rPr lang="zh-CN" sz="4000">
+                <a:latin typeface="楷体" panose="02010609060101010101" charset="-122"/>
+                <a:ea typeface="楷体" panose="02010609060101010101" charset="-122"/>
+                <a:sym typeface="+mn-ea"/>
+              </a:rPr>
+            </a:br>
+            <a:endParaRPr lang="en-US" altLang="zh-CN" sz="4000">
+              <a:latin typeface="楷体" panose="02010609060101010101" charset="-122"/>
+              <a:ea typeface="楷体" panose="02010609060101010101" charset="-122"/>
+            </a:endParaRPr>
+          </a:p>
+        </p:txBody>
+      </p:sp>
+      <p:sp>
+        <p:nvSpPr>
+          <p:cNvPr id="3" name="内容占位符 2"/>
+          <p:cNvSpPr>
+            <a:spLocks noGrp="1"/>
+          </p:cNvSpPr>
+          <p:nvPr>
+            <p:ph idx="1"/>
+          </p:nvPr>
+        </p:nvSpPr>
+        <p:spPr>
+          <a:xfrm>
+            <a:off x="443230" y="2065020"/>
+            <a:ext cx="8535670" cy="4604385"/>
+          </a:xfrm>
+        </p:spPr>
+        <p:txBody>
+          <a:bodyPr/>
+          <a:p>
+            <a:r>
+              <a:rPr lang="en-US" altLang="zh-CN" sz="3200">
+                <a:latin typeface="仿宋" panose="02010609060101010101" charset="-122"/>
+                <a:ea typeface="仿宋" panose="02010609060101010101" charset="-122"/>
+              </a:rPr>
+              <a:t>JS</a:t>
+            </a:r>
+            <a:r>
+              <a:rPr lang="zh-CN" altLang="en-US" sz="3200">
+                <a:latin typeface="仿宋" panose="02010609060101010101" charset="-122"/>
+                <a:ea typeface="仿宋" panose="02010609060101010101" charset="-122"/>
+              </a:rPr>
+              <a:t>中的</a:t>
+            </a:r>
+            <a:r>
+              <a:rPr lang="en-US" altLang="zh-CN" sz="3200">
+                <a:latin typeface="仿宋" panose="02010609060101010101" charset="-122"/>
+                <a:ea typeface="仿宋" panose="02010609060101010101" charset="-122"/>
+              </a:rPr>
+              <a:t>DOM0</a:t>
+            </a:r>
+            <a:r>
+              <a:rPr lang="zh-CN" altLang="en-US" sz="3200">
+                <a:latin typeface="仿宋" panose="02010609060101010101" charset="-122"/>
+                <a:ea typeface="仿宋" panose="02010609060101010101" charset="-122"/>
+              </a:rPr>
+              <a:t>和</a:t>
+            </a:r>
+            <a:r>
+              <a:rPr lang="en-US" altLang="zh-CN" sz="3200">
+                <a:latin typeface="仿宋" panose="02010609060101010101" charset="-122"/>
+                <a:ea typeface="仿宋" panose="02010609060101010101" charset="-122"/>
+              </a:rPr>
+              <a:t>DOM2</a:t>
+            </a:r>
+            <a:r>
+              <a:rPr lang="zh-CN" altLang="en-US" sz="3200">
+                <a:latin typeface="仿宋" panose="02010609060101010101" charset="-122"/>
+                <a:ea typeface="仿宋" panose="02010609060101010101" charset="-122"/>
+              </a:rPr>
+              <a:t>事件</a:t>
+            </a:r>
+            <a:endParaRPr lang="zh-CN" altLang="en-US" sz="3200">
+              <a:latin typeface="仿宋" panose="02010609060101010101" charset="-122"/>
+              <a:ea typeface="仿宋" panose="02010609060101010101" charset="-122"/>
+            </a:endParaRPr>
+          </a:p>
+          <a:p>
+            <a:pPr marL="0" indent="0" fontAlgn="auto">
+              <a:lnSpc>
+                <a:spcPct val="130000"/>
+              </a:lnSpc>
+              <a:buNone/>
+            </a:pPr>
+            <a:r>
+              <a:rPr lang="zh-CN" altLang="en-US">
+                <a:latin typeface="仿宋" panose="02010609060101010101" charset="-122"/>
+                <a:ea typeface="仿宋" panose="02010609060101010101" charset="-122"/>
+              </a:rPr>
+              <a:t>  </a:t>
+            </a:r>
+            <a:r>
+              <a:rPr lang="en-US" altLang="zh-CN">
+                <a:latin typeface="仿宋" panose="02010609060101010101" charset="-122"/>
+                <a:ea typeface="仿宋" panose="02010609060101010101" charset="-122"/>
+              </a:rPr>
+              <a:t>- DOM2</a:t>
+            </a:r>
+            <a:r>
+              <a:rPr lang="zh-CN" altLang="en-US">
+                <a:latin typeface="仿宋" panose="02010609060101010101" charset="-122"/>
+                <a:ea typeface="仿宋" panose="02010609060101010101" charset="-122"/>
+              </a:rPr>
+              <a:t>级事件</a:t>
+            </a:r>
+            <a:endParaRPr lang="zh-CN" altLang="en-US">
+              <a:latin typeface="仿宋" panose="02010609060101010101" charset="-122"/>
+              <a:ea typeface="仿宋" panose="02010609060101010101" charset="-122"/>
+            </a:endParaRPr>
+          </a:p>
+          <a:p>
+            <a:pPr marL="0" indent="0" fontAlgn="auto">
+              <a:lnSpc>
+                <a:spcPct val="130000"/>
+              </a:lnSpc>
+              <a:buNone/>
+            </a:pPr>
+            <a:r>
+              <a:rPr lang="en-US" altLang="zh-CN">
+                <a:latin typeface="仿宋" panose="02010609060101010101" charset="-122"/>
+                <a:ea typeface="仿宋" panose="02010609060101010101" charset="-122"/>
+              </a:rPr>
+              <a:t>    + DOM0</a:t>
+            </a:r>
+            <a:r>
+              <a:rPr lang="zh-CN" altLang="en-US">
+                <a:latin typeface="仿宋" panose="02010609060101010101" charset="-122"/>
+                <a:ea typeface="仿宋" panose="02010609060101010101" charset="-122"/>
+              </a:rPr>
+              <a:t>和</a:t>
+            </a:r>
+            <a:r>
+              <a:rPr lang="en-US" altLang="zh-CN">
+                <a:latin typeface="仿宋" panose="02010609060101010101" charset="-122"/>
+                <a:ea typeface="仿宋" panose="02010609060101010101" charset="-122"/>
+              </a:rPr>
+              <a:t>DOM2</a:t>
+            </a:r>
+            <a:r>
+              <a:rPr lang="zh-CN" altLang="en-US">
+                <a:latin typeface="仿宋" panose="02010609060101010101" charset="-122"/>
+                <a:ea typeface="仿宋" panose="02010609060101010101" charset="-122"/>
+              </a:rPr>
+              <a:t>区别：事件池机制</a:t>
+            </a:r>
+            <a:endParaRPr lang="zh-CN" altLang="en-US">
+              <a:latin typeface="仿宋" panose="02010609060101010101" charset="-122"/>
+              <a:ea typeface="仿宋" panose="02010609060101010101" charset="-122"/>
+            </a:endParaRPr>
+          </a:p>
+          <a:p>
+            <a:pPr marL="0" indent="0" fontAlgn="auto">
+              <a:lnSpc>
+                <a:spcPct val="130000"/>
+              </a:lnSpc>
+              <a:buNone/>
+            </a:pPr>
+            <a:r>
+              <a:rPr lang="zh-CN" altLang="en-US">
+                <a:latin typeface="仿宋" panose="02010609060101010101" charset="-122"/>
+                <a:ea typeface="仿宋" panose="02010609060101010101" charset="-122"/>
+              </a:rPr>
+              <a:t>    </a:t>
+            </a:r>
+            <a:r>
+              <a:rPr lang="en-US" altLang="zh-CN">
+                <a:latin typeface="仿宋" panose="02010609060101010101" charset="-122"/>
+                <a:ea typeface="仿宋" panose="02010609060101010101" charset="-122"/>
+              </a:rPr>
+              <a:t>+ window.onload</a:t>
+            </a:r>
+            <a:r>
+              <a:rPr lang="zh-CN" altLang="en-US">
+                <a:latin typeface="仿宋" panose="02010609060101010101" charset="-122"/>
+                <a:ea typeface="仿宋" panose="02010609060101010101" charset="-122"/>
+              </a:rPr>
+              <a:t>和</a:t>
+            </a:r>
+            <a:r>
+              <a:rPr lang="en-US" altLang="zh-CN">
+                <a:latin typeface="仿宋" panose="02010609060101010101" charset="-122"/>
+                <a:ea typeface="仿宋" panose="02010609060101010101" charset="-122"/>
+              </a:rPr>
+              <a:t>$(document).ready()</a:t>
+            </a:r>
+            <a:endParaRPr lang="en-US" altLang="zh-CN">
+              <a:latin typeface="仿宋" panose="02010609060101010101" charset="-122"/>
+              <a:ea typeface="仿宋" panose="02010609060101010101" charset="-122"/>
+            </a:endParaRPr>
+          </a:p>
+          <a:p>
+            <a:pPr marL="0" indent="0" fontAlgn="auto">
+              <a:lnSpc>
+                <a:spcPct val="130000"/>
+              </a:lnSpc>
+              <a:buNone/>
+            </a:pPr>
+            <a:r>
+              <a:rPr lang="zh-CN" altLang="en-US">
+                <a:latin typeface="仿宋" panose="02010609060101010101" charset="-122"/>
+                <a:ea typeface="仿宋" panose="02010609060101010101" charset="-122"/>
+              </a:rPr>
+              <a:t>    </a:t>
+            </a:r>
+            <a:r>
+              <a:rPr lang="en-US" altLang="zh-CN">
+                <a:latin typeface="仿宋" panose="02010609060101010101" charset="-122"/>
+                <a:ea typeface="仿宋" panose="02010609060101010101" charset="-122"/>
+              </a:rPr>
+              <a:t>+ DOM2</a:t>
+            </a:r>
+            <a:r>
+              <a:rPr lang="zh-CN" altLang="en-US">
+                <a:latin typeface="仿宋" panose="02010609060101010101" charset="-122"/>
+                <a:ea typeface="仿宋" panose="02010609060101010101" charset="-122"/>
+              </a:rPr>
+              <a:t>兼容问题处理</a:t>
+            </a:r>
+            <a:endParaRPr lang="zh-CN" altLang="en-US">
+              <a:latin typeface="仿宋" panose="02010609060101010101" charset="-122"/>
+              <a:ea typeface="仿宋" panose="02010609060101010101" charset="-122"/>
+            </a:endParaRPr>
+          </a:p>
+          <a:p>
+            <a:pPr marL="0" indent="0" fontAlgn="auto">
+              <a:lnSpc>
+                <a:spcPct val="130000"/>
+              </a:lnSpc>
+              <a:buNone/>
+            </a:pPr>
+            <a:r>
+              <a:rPr lang="en-US" altLang="zh-CN">
+                <a:latin typeface="仿宋" panose="02010609060101010101" charset="-122"/>
+                <a:ea typeface="仿宋" panose="02010609060101010101" charset="-122"/>
+              </a:rPr>
+              <a:t>	  + </a:t>
+            </a:r>
+            <a:r>
+              <a:rPr lang="zh-CN" altLang="en-US">
+                <a:latin typeface="仿宋" panose="02010609060101010101" charset="-122"/>
+                <a:ea typeface="仿宋" panose="02010609060101010101" charset="-122"/>
+              </a:rPr>
+              <a:t>基础语法兼容处理</a:t>
+            </a:r>
+            <a:endParaRPr lang="zh-CN" altLang="en-US">
+              <a:latin typeface="仿宋" panose="02010609060101010101" charset="-122"/>
+              <a:ea typeface="仿宋" panose="02010609060101010101" charset="-122"/>
+            </a:endParaRPr>
+          </a:p>
+          <a:p>
+            <a:pPr marL="0" indent="0" fontAlgn="auto">
+              <a:lnSpc>
+                <a:spcPct val="130000"/>
+              </a:lnSpc>
+              <a:buNone/>
+            </a:pPr>
+            <a:r>
+              <a:rPr lang="zh-CN" altLang="en-US">
+                <a:latin typeface="仿宋" panose="02010609060101010101" charset="-122"/>
+                <a:ea typeface="仿宋" panose="02010609060101010101" charset="-122"/>
+              </a:rPr>
+              <a:t>       </a:t>
+            </a:r>
+            <a:r>
+              <a:rPr lang="en-US" altLang="zh-CN">
+                <a:latin typeface="仿宋" panose="02010609060101010101" charset="-122"/>
+                <a:ea typeface="仿宋" panose="02010609060101010101" charset="-122"/>
+              </a:rPr>
+              <a:t>+ THIS</a:t>
+            </a:r>
+            <a:r>
+              <a:rPr lang="zh-CN" altLang="en-US">
+                <a:latin typeface="仿宋" panose="02010609060101010101" charset="-122"/>
+                <a:ea typeface="仿宋" panose="02010609060101010101" charset="-122"/>
+              </a:rPr>
+              <a:t>问题、重复问题、顺序问题</a:t>
+            </a:r>
+            <a:endParaRPr lang="zh-CN" altLang="en-US">
+              <a:latin typeface="仿宋" panose="02010609060101010101" charset="-122"/>
+              <a:ea typeface="仿宋" panose="02010609060101010101" charset="-122"/>
+            </a:endParaRPr>
+          </a:p>
+        </p:txBody>
+      </p:sp>
+      <p:sp>
+        <p:nvSpPr>
+          <p:cNvPr id="4" name="文本框 3"/>
+          <p:cNvSpPr txBox="1"/>
+          <p:nvPr/>
+        </p:nvSpPr>
+        <p:spPr>
+          <a:xfrm>
+            <a:off x="3718560" y="1151890"/>
+            <a:ext cx="4754880" cy="1198880"/>
+          </a:xfrm>
+          <a:prstGeom prst="rect">
+            <a:avLst/>
+          </a:prstGeom>
+          <a:noFill/>
+        </p:spPr>
+        <p:txBody>
+          <a:bodyPr wrap="none" rtlCol="0">
+            <a:spAutoFit/>
+          </a:bodyPr>
+          <a:p>
+            <a:pPr algn="l"/>
+            <a:r>
+              <a:rPr lang="en-US" altLang="zh-CN" sz="3600">
+                <a:latin typeface="仿宋" panose="02010609060101010101" charset="-122"/>
+                <a:ea typeface="仿宋" panose="02010609060101010101" charset="-122"/>
+                <a:sym typeface="+mn-ea"/>
+              </a:rPr>
+              <a:t>[</a:t>
+            </a:r>
+            <a:r>
+              <a:rPr lang="zh-CN" altLang="en-US" sz="3600">
+                <a:latin typeface="仿宋" panose="02010609060101010101" charset="-122"/>
+                <a:ea typeface="仿宋" panose="02010609060101010101" charset="-122"/>
+                <a:sym typeface="+mn-ea"/>
+              </a:rPr>
+              <a:t>八年专注、有口皆碑</a:t>
+            </a:r>
+            <a:r>
+              <a:rPr lang="en-US" altLang="zh-CN" sz="3600">
+                <a:latin typeface="仿宋" panose="02010609060101010101" charset="-122"/>
+                <a:ea typeface="仿宋" panose="02010609060101010101" charset="-122"/>
+                <a:sym typeface="+mn-ea"/>
+              </a:rPr>
+              <a:t>]</a:t>
+            </a:r>
+            <a:endParaRPr lang="en-US" altLang="zh-CN" sz="3600">
+              <a:latin typeface="仿宋" panose="02010609060101010101" charset="-122"/>
+              <a:ea typeface="仿宋" panose="02010609060101010101" charset="-122"/>
+            </a:endParaRPr>
+          </a:p>
+          <a:p>
+            <a:endParaRPr lang="zh-CN" altLang="en-US" sz="3600"/>
+          </a:p>
+        </p:txBody>
+      </p:sp>
+      <p:pic>
+        <p:nvPicPr>
+          <p:cNvPr id="5" name="图片 4"/>
+          <p:cNvPicPr>
+            <a:picLocks noChangeAspect="1"/>
+          </p:cNvPicPr>
+          <p:nvPr/>
+        </p:nvPicPr>
+        <p:blipFill>
+          <a:blip r:embed="rId1"/>
+          <a:stretch>
+            <a:fillRect/>
+          </a:stretch>
+        </p:blipFill>
+        <p:spPr>
+          <a:xfrm>
+            <a:off x="8578215" y="2350770"/>
+            <a:ext cx="3389630" cy="2198370"/>
+          </a:xfrm>
+          <a:prstGeom prst="rect">
+            <a:avLst/>
+          </a:prstGeom>
+        </p:spPr>
+      </p:pic>
+    </p:spTree>
+  </p:cSld>
+  <p:clrMapOvr>
+    <a:masterClrMapping/>
+  </p:clrMapOvr>
+</p:sld>
+</file>
+
+<file path=ppt/slides/slide8.xml><?xml version="1.0" encoding="utf-8"?>
+<p:sld xmlns:a="http://schemas.openxmlformats.org/drawingml/2006/main" xmlns:r="http://schemas.openxmlformats.org/officeDocument/2006/relationships" xmlns:p="http://schemas.openxmlformats.org/presentationml/2006/main">
+  <p:cSld>
+    <p:spTree>
+      <p:nvGrpSpPr>
+        <p:cNvPr id="1" name=""/>
+        <p:cNvGrpSpPr/>
+        <p:nvPr/>
+      </p:nvGrpSpPr>
+      <p:grpSpPr/>
+      <p:sp>
+        <p:nvSpPr>
+          <p:cNvPr id="2" name="标题 1"/>
+          <p:cNvSpPr>
+            <a:spLocks noGrp="1"/>
+          </p:cNvSpPr>
+          <p:nvPr>
+            <p:ph type="title"/>
+          </p:nvPr>
+        </p:nvSpPr>
+        <p:spPr>
+          <a:xfrm>
+            <a:off x="838200" y="281305"/>
+            <a:ext cx="10515600" cy="1080770"/>
+          </a:xfrm>
+        </p:spPr>
+        <p:txBody>
+          <a:bodyPr/>
+          <a:p>
+            <a:pPr algn="ctr"/>
+            <a:r>
+              <a:rPr lang="zh-CN" sz="4800">
+                <a:latin typeface="仿宋" panose="02010609060101010101" charset="-122"/>
+                <a:ea typeface="仿宋" panose="02010609060101010101" charset="-122"/>
+                <a:sym typeface="+mn-ea"/>
+              </a:rPr>
+              <a:t>前端全栈工程化开发</a:t>
+            </a:r>
+            <a:r>
+              <a:rPr lang="en-US" altLang="zh-CN" sz="4800">
+                <a:latin typeface="仿宋" panose="02010609060101010101" charset="-122"/>
+                <a:ea typeface="仿宋" panose="02010609060101010101" charset="-122"/>
+                <a:sym typeface="+mn-ea"/>
+              </a:rPr>
+              <a:t>VIP</a:t>
+            </a:r>
+            <a:r>
+              <a:rPr lang="zh-CN" altLang="en-US" sz="4800">
+                <a:latin typeface="仿宋" panose="02010609060101010101" charset="-122"/>
+                <a:ea typeface="仿宋" panose="02010609060101010101" charset="-122"/>
+                <a:sym typeface="+mn-ea"/>
+              </a:rPr>
+              <a:t>精品课</a:t>
+            </a:r>
+            <a:br>
+              <a:rPr lang="zh-CN" sz="4000">
+                <a:latin typeface="楷体" panose="02010609060101010101" charset="-122"/>
+                <a:ea typeface="楷体" panose="02010609060101010101" charset="-122"/>
+                <a:sym typeface="+mn-ea"/>
+              </a:rPr>
+            </a:br>
+            <a:br>
+              <a:rPr lang="zh-CN" sz="4000">
+                <a:latin typeface="楷体" panose="02010609060101010101" charset="-122"/>
+                <a:ea typeface="楷体" panose="02010609060101010101" charset="-122"/>
+                <a:sym typeface="+mn-ea"/>
+              </a:rPr>
+            </a:br>
+            <a:endParaRPr lang="en-US" altLang="zh-CN" sz="4000">
+              <a:latin typeface="楷体" panose="02010609060101010101" charset="-122"/>
+              <a:ea typeface="楷体" panose="02010609060101010101" charset="-122"/>
+            </a:endParaRPr>
+          </a:p>
+        </p:txBody>
+      </p:sp>
+      <p:sp>
+        <p:nvSpPr>
+          <p:cNvPr id="3" name="内容占位符 2"/>
+          <p:cNvSpPr>
+            <a:spLocks noGrp="1"/>
+          </p:cNvSpPr>
+          <p:nvPr>
+            <p:ph idx="1"/>
+          </p:nvPr>
+        </p:nvSpPr>
+        <p:spPr>
+          <a:xfrm>
+            <a:off x="443230" y="2065020"/>
+            <a:ext cx="8535670" cy="4604385"/>
+          </a:xfrm>
+        </p:spPr>
+        <p:txBody>
+          <a:bodyPr/>
+          <a:p>
+            <a:r>
+              <a:rPr lang="en-US" altLang="zh-CN" sz="3200">
+                <a:latin typeface="仿宋" panose="02010609060101010101" charset="-122"/>
+                <a:ea typeface="仿宋" panose="02010609060101010101" charset="-122"/>
+              </a:rPr>
+              <a:t>JS</a:t>
+            </a:r>
+            <a:r>
+              <a:rPr lang="zh-CN" altLang="en-US" sz="3200">
+                <a:latin typeface="仿宋" panose="02010609060101010101" charset="-122"/>
+                <a:ea typeface="仿宋" panose="02010609060101010101" charset="-122"/>
+              </a:rPr>
+              <a:t>中的</a:t>
+            </a:r>
+            <a:r>
+              <a:rPr lang="en-US" altLang="zh-CN" sz="3200">
+                <a:latin typeface="仿宋" panose="02010609060101010101" charset="-122"/>
+                <a:ea typeface="仿宋" panose="02010609060101010101" charset="-122"/>
+              </a:rPr>
+              <a:t>DOM0</a:t>
+            </a:r>
+            <a:r>
+              <a:rPr lang="zh-CN" altLang="en-US" sz="3200">
+                <a:latin typeface="仿宋" panose="02010609060101010101" charset="-122"/>
+                <a:ea typeface="仿宋" panose="02010609060101010101" charset="-122"/>
+              </a:rPr>
+              <a:t>和</a:t>
+            </a:r>
+            <a:r>
+              <a:rPr lang="en-US" altLang="zh-CN" sz="3200">
+                <a:latin typeface="仿宋" panose="02010609060101010101" charset="-122"/>
+                <a:ea typeface="仿宋" panose="02010609060101010101" charset="-122"/>
+              </a:rPr>
+              <a:t>DOM2</a:t>
+            </a:r>
+            <a:r>
+              <a:rPr lang="zh-CN" altLang="en-US" sz="3200">
+                <a:latin typeface="仿宋" panose="02010609060101010101" charset="-122"/>
+                <a:ea typeface="仿宋" panose="02010609060101010101" charset="-122"/>
+              </a:rPr>
+              <a:t>事件</a:t>
+            </a:r>
+            <a:endParaRPr lang="zh-CN" altLang="en-US" sz="3200">
+              <a:latin typeface="仿宋" panose="02010609060101010101" charset="-122"/>
+              <a:ea typeface="仿宋" panose="02010609060101010101" charset="-122"/>
+            </a:endParaRPr>
+          </a:p>
+          <a:p>
+            <a:pPr marL="0" indent="0" fontAlgn="auto">
+              <a:lnSpc>
+                <a:spcPct val="130000"/>
+              </a:lnSpc>
+              <a:buNone/>
+            </a:pPr>
+            <a:r>
+              <a:rPr lang="zh-CN" altLang="en-US">
+                <a:latin typeface="仿宋" panose="02010609060101010101" charset="-122"/>
+                <a:ea typeface="仿宋" panose="02010609060101010101" charset="-122"/>
+              </a:rPr>
+              <a:t>  </a:t>
+            </a:r>
+            <a:r>
+              <a:rPr lang="en-US" altLang="zh-CN">
+                <a:latin typeface="仿宋" panose="02010609060101010101" charset="-122"/>
+                <a:ea typeface="仿宋" panose="02010609060101010101" charset="-122"/>
+              </a:rPr>
+              <a:t>- </a:t>
+            </a:r>
+            <a:r>
+              <a:rPr lang="zh-CN">
+                <a:latin typeface="仿宋" panose="02010609060101010101" charset="-122"/>
+                <a:ea typeface="仿宋" panose="02010609060101010101" charset="-122"/>
+              </a:rPr>
+              <a:t>事件应用</a:t>
+            </a:r>
+            <a:endParaRPr lang="zh-CN">
+              <a:latin typeface="仿宋" panose="02010609060101010101" charset="-122"/>
+              <a:ea typeface="仿宋" panose="02010609060101010101" charset="-122"/>
+            </a:endParaRPr>
+          </a:p>
+          <a:p>
+            <a:pPr marL="0" indent="0" fontAlgn="auto">
+              <a:lnSpc>
+                <a:spcPct val="130000"/>
+              </a:lnSpc>
+              <a:buNone/>
+            </a:pPr>
+            <a:r>
+              <a:rPr lang="en-US" altLang="zh-CN">
+                <a:latin typeface="仿宋" panose="02010609060101010101" charset="-122"/>
+                <a:ea typeface="仿宋" panose="02010609060101010101" charset="-122"/>
+              </a:rPr>
+              <a:t>    + </a:t>
+            </a:r>
+            <a:r>
+              <a:rPr lang="zh-CN" altLang="en-US">
+                <a:latin typeface="仿宋" panose="02010609060101010101" charset="-122"/>
+                <a:ea typeface="仿宋" panose="02010609060101010101" charset="-122"/>
+              </a:rPr>
+              <a:t>拖拽案例的实现</a:t>
+            </a:r>
+            <a:endParaRPr lang="zh-CN" altLang="en-US">
+              <a:latin typeface="仿宋" panose="02010609060101010101" charset="-122"/>
+              <a:ea typeface="仿宋" panose="02010609060101010101" charset="-122"/>
+            </a:endParaRPr>
+          </a:p>
+          <a:p>
+            <a:pPr marL="0" indent="0" fontAlgn="auto">
+              <a:lnSpc>
+                <a:spcPct val="130000"/>
+              </a:lnSpc>
+              <a:buNone/>
+            </a:pPr>
+            <a:r>
+              <a:rPr lang="zh-CN" altLang="en-US">
+                <a:latin typeface="仿宋" panose="02010609060101010101" charset="-122"/>
+                <a:ea typeface="仿宋" panose="02010609060101010101" charset="-122"/>
+              </a:rPr>
+              <a:t>    </a:t>
+            </a:r>
+            <a:r>
+              <a:rPr lang="en-US" altLang="zh-CN">
+                <a:latin typeface="仿宋" panose="02010609060101010101" charset="-122"/>
+                <a:ea typeface="仿宋" panose="02010609060101010101" charset="-122"/>
+              </a:rPr>
+              <a:t>+ H5</a:t>
+            </a:r>
+            <a:r>
+              <a:rPr lang="zh-CN" altLang="en-US">
+                <a:latin typeface="仿宋" panose="02010609060101010101" charset="-122"/>
+                <a:ea typeface="仿宋" panose="02010609060101010101" charset="-122"/>
+              </a:rPr>
+              <a:t>中</a:t>
+            </a:r>
+            <a:r>
+              <a:rPr lang="en-US" altLang="zh-CN">
+                <a:latin typeface="仿宋" panose="02010609060101010101" charset="-122"/>
+                <a:ea typeface="仿宋" panose="02010609060101010101" charset="-122"/>
+              </a:rPr>
+              <a:t>drag</a:t>
+            </a:r>
+            <a:r>
+              <a:rPr lang="zh-CN" altLang="en-US">
+                <a:latin typeface="仿宋" panose="02010609060101010101" charset="-122"/>
+                <a:ea typeface="仿宋" panose="02010609060101010101" charset="-122"/>
+              </a:rPr>
+              <a:t>事件的应用</a:t>
+            </a:r>
+            <a:endParaRPr lang="zh-CN" altLang="en-US">
+              <a:latin typeface="仿宋" panose="02010609060101010101" charset="-122"/>
+              <a:ea typeface="仿宋" panose="02010609060101010101" charset="-122"/>
+            </a:endParaRPr>
+          </a:p>
+          <a:p>
+            <a:pPr marL="0" indent="0" fontAlgn="auto">
+              <a:lnSpc>
+                <a:spcPct val="130000"/>
+              </a:lnSpc>
+              <a:buNone/>
+            </a:pPr>
+            <a:r>
+              <a:rPr lang="zh-CN" altLang="en-US">
+                <a:latin typeface="仿宋" panose="02010609060101010101" charset="-122"/>
+                <a:ea typeface="仿宋" panose="02010609060101010101" charset="-122"/>
+              </a:rPr>
+              <a:t>    </a:t>
+            </a:r>
+            <a:r>
+              <a:rPr lang="en-US" altLang="zh-CN">
+                <a:latin typeface="仿宋" panose="02010609060101010101" charset="-122"/>
+                <a:ea typeface="仿宋" panose="02010609060101010101" charset="-122"/>
+              </a:rPr>
+              <a:t>+ </a:t>
+            </a:r>
+            <a:r>
+              <a:rPr lang="zh-CN" altLang="en-US">
+                <a:latin typeface="仿宋" panose="02010609060101010101" charset="-122"/>
+                <a:ea typeface="仿宋" panose="02010609060101010101" charset="-122"/>
+              </a:rPr>
+              <a:t>弹性势能动画</a:t>
+            </a:r>
+            <a:endParaRPr lang="zh-CN" altLang="en-US">
+              <a:latin typeface="仿宋" panose="02010609060101010101" charset="-122"/>
+              <a:ea typeface="仿宋" panose="02010609060101010101" charset="-122"/>
+            </a:endParaRPr>
+          </a:p>
+          <a:p>
+            <a:pPr marL="0" indent="0" fontAlgn="auto">
+              <a:lnSpc>
+                <a:spcPct val="130000"/>
+              </a:lnSpc>
+              <a:buNone/>
+            </a:pPr>
+            <a:r>
+              <a:rPr lang="zh-CN" altLang="en-US">
+                <a:latin typeface="仿宋" panose="02010609060101010101" charset="-122"/>
+                <a:ea typeface="仿宋" panose="02010609060101010101" charset="-122"/>
+              </a:rPr>
+              <a:t>    </a:t>
+            </a:r>
+            <a:r>
+              <a:rPr lang="en-US" altLang="zh-CN">
+                <a:latin typeface="仿宋" panose="02010609060101010101" charset="-122"/>
+                <a:ea typeface="仿宋" panose="02010609060101010101" charset="-122"/>
+              </a:rPr>
+              <a:t>+ ...</a:t>
+            </a:r>
+            <a:endParaRPr lang="en-US" altLang="zh-CN">
+              <a:latin typeface="仿宋" panose="02010609060101010101" charset="-122"/>
+              <a:ea typeface="仿宋" panose="02010609060101010101" charset="-122"/>
+            </a:endParaRPr>
+          </a:p>
+          <a:p>
+            <a:pPr marL="0" indent="0" fontAlgn="auto">
+              <a:lnSpc>
+                <a:spcPct val="130000"/>
+              </a:lnSpc>
+              <a:buNone/>
+            </a:pPr>
+            <a:r>
+              <a:rPr lang="zh-CN" altLang="en-US">
+                <a:latin typeface="仿宋" panose="02010609060101010101" charset="-122"/>
+                <a:ea typeface="仿宋" panose="02010609060101010101" charset="-122"/>
+              </a:rPr>
+              <a:t>    </a:t>
+            </a:r>
+            <a:endParaRPr lang="zh-CN" altLang="en-US">
+              <a:latin typeface="仿宋" panose="02010609060101010101" charset="-122"/>
+              <a:ea typeface="仿宋" panose="02010609060101010101" charset="-122"/>
             </a:endParaRPr>
           </a:p>
         </p:txBody>
